--- a/Reports/Gun Violence in the USA.pptx
+++ b/Reports/Gun Violence in the USA.pptx
@@ -115,6 +115,11 @@
       </a:defRPr>
     </a:lvl9pPr>
   </p:defaultTextStyle>
+  <p:extLst>
+    <p:ext uri="{EFAFB233-063F-42B5-8137-9DF3F51BA10A}">
+      <p15:sldGuideLst xmlns:p15="http://schemas.microsoft.com/office/powerpoint/2012/main"/>
+    </p:ext>
+  </p:extLst>
 </p:presentation>
 </file>
 
@@ -265,7 +270,7 @@
           <a:p>
             <a:fld id="{35D50116-AD8A-424C-865E-D623CF0D7EC1}" type="datetimeFigureOut">
               <a:rPr lang="en-US" smtClean="0"/>
-              <a:t>11/23/19</a:t>
+              <a:t>11/23/2019</a:t>
             </a:fld>
             <a:endParaRPr lang="en-US"/>
           </a:p>
@@ -463,7 +468,7 @@
           <a:p>
             <a:fld id="{35D50116-AD8A-424C-865E-D623CF0D7EC1}" type="datetimeFigureOut">
               <a:rPr lang="en-US" smtClean="0"/>
-              <a:t>11/23/19</a:t>
+              <a:t>11/23/2019</a:t>
             </a:fld>
             <a:endParaRPr lang="en-US"/>
           </a:p>
@@ -671,7 +676,7 @@
           <a:p>
             <a:fld id="{35D50116-AD8A-424C-865E-D623CF0D7EC1}" type="datetimeFigureOut">
               <a:rPr lang="en-US" smtClean="0"/>
-              <a:t>11/23/19</a:t>
+              <a:t>11/23/2019</a:t>
             </a:fld>
             <a:endParaRPr lang="en-US"/>
           </a:p>
@@ -869,7 +874,7 @@
           <a:p>
             <a:fld id="{35D50116-AD8A-424C-865E-D623CF0D7EC1}" type="datetimeFigureOut">
               <a:rPr lang="en-US" smtClean="0"/>
-              <a:t>11/23/19</a:t>
+              <a:t>11/23/2019</a:t>
             </a:fld>
             <a:endParaRPr lang="en-US"/>
           </a:p>
@@ -1144,7 +1149,7 @@
           <a:p>
             <a:fld id="{35D50116-AD8A-424C-865E-D623CF0D7EC1}" type="datetimeFigureOut">
               <a:rPr lang="en-US" smtClean="0"/>
-              <a:t>11/23/19</a:t>
+              <a:t>11/23/2019</a:t>
             </a:fld>
             <a:endParaRPr lang="en-US"/>
           </a:p>
@@ -1409,7 +1414,7 @@
           <a:p>
             <a:fld id="{35D50116-AD8A-424C-865E-D623CF0D7EC1}" type="datetimeFigureOut">
               <a:rPr lang="en-US" smtClean="0"/>
-              <a:t>11/23/19</a:t>
+              <a:t>11/23/2019</a:t>
             </a:fld>
             <a:endParaRPr lang="en-US"/>
           </a:p>
@@ -1821,7 +1826,7 @@
           <a:p>
             <a:fld id="{35D50116-AD8A-424C-865E-D623CF0D7EC1}" type="datetimeFigureOut">
               <a:rPr lang="en-US" smtClean="0"/>
-              <a:t>11/23/19</a:t>
+              <a:t>11/23/2019</a:t>
             </a:fld>
             <a:endParaRPr lang="en-US"/>
           </a:p>
@@ -1962,7 +1967,7 @@
           <a:p>
             <a:fld id="{35D50116-AD8A-424C-865E-D623CF0D7EC1}" type="datetimeFigureOut">
               <a:rPr lang="en-US" smtClean="0"/>
-              <a:t>11/23/19</a:t>
+              <a:t>11/23/2019</a:t>
             </a:fld>
             <a:endParaRPr lang="en-US"/>
           </a:p>
@@ -2075,7 +2080,7 @@
           <a:p>
             <a:fld id="{35D50116-AD8A-424C-865E-D623CF0D7EC1}" type="datetimeFigureOut">
               <a:rPr lang="en-US" smtClean="0"/>
-              <a:t>11/23/19</a:t>
+              <a:t>11/23/2019</a:t>
             </a:fld>
             <a:endParaRPr lang="en-US"/>
           </a:p>
@@ -2386,7 +2391,7 @@
           <a:p>
             <a:fld id="{35D50116-AD8A-424C-865E-D623CF0D7EC1}" type="datetimeFigureOut">
               <a:rPr lang="en-US" smtClean="0"/>
-              <a:t>11/23/19</a:t>
+              <a:t>11/23/2019</a:t>
             </a:fld>
             <a:endParaRPr lang="en-US"/>
           </a:p>
@@ -2674,7 +2679,7 @@
           <a:p>
             <a:fld id="{35D50116-AD8A-424C-865E-D623CF0D7EC1}" type="datetimeFigureOut">
               <a:rPr lang="en-US" smtClean="0"/>
-              <a:t>11/23/19</a:t>
+              <a:t>11/23/2019</a:t>
             </a:fld>
             <a:endParaRPr lang="en-US"/>
           </a:p>
@@ -2915,7 +2920,7 @@
           <a:p>
             <a:fld id="{35D50116-AD8A-424C-865E-D623CF0D7EC1}" type="datetimeFigureOut">
               <a:rPr lang="en-US" smtClean="0"/>
-              <a:t>11/23/19</a:t>
+              <a:t>11/23/2019</a:t>
             </a:fld>
             <a:endParaRPr lang="en-US"/>
           </a:p>
@@ -4076,6 +4081,116 @@
           </a:prstGeom>
         </p:spPr>
       </p:pic>
+      <p:sp>
+        <p:nvSpPr>
+          <p:cNvPr id="2" name="TextBox 1">
+            <a:extLst>
+              <a:ext uri="{FF2B5EF4-FFF2-40B4-BE49-F238E27FC236}">
+                <a16:creationId xmlns:a16="http://schemas.microsoft.com/office/drawing/2014/main" id="{6380F563-0B26-43D9-8285-7ED3405BC302}"/>
+              </a:ext>
+            </a:extLst>
+          </p:cNvPr>
+          <p:cNvSpPr txBox="1"/>
+          <p:nvPr/>
+        </p:nvSpPr>
+        <p:spPr>
+          <a:xfrm>
+            <a:off x="6329082" y="1156447"/>
+            <a:ext cx="3550024" cy="1077218"/>
+          </a:xfrm>
+          <a:prstGeom prst="rect">
+            <a:avLst/>
+          </a:prstGeom>
+          <a:solidFill>
+            <a:schemeClr val="bg1"/>
+          </a:solidFill>
+        </p:spPr>
+        <p:txBody>
+          <a:bodyPr wrap="square" rtlCol="0">
+            <a:spAutoFit/>
+          </a:bodyPr>
+          <a:lstStyle/>
+          <a:p>
+            <a:r>
+              <a:rPr lang="en-US" sz="3200" b="1" dirty="0">
+                <a:solidFill>
+                  <a:schemeClr val="accent1">
+                    <a:lumMod val="75000"/>
+                  </a:schemeClr>
+                </a:solidFill>
+              </a:rPr>
+              <a:t>Illinois: </a:t>
+            </a:r>
+          </a:p>
+          <a:p>
+            <a:r>
+              <a:rPr lang="en-US" sz="3200" b="1" dirty="0">
+                <a:solidFill>
+                  <a:schemeClr val="accent1">
+                    <a:lumMod val="75000"/>
+                  </a:schemeClr>
+                </a:solidFill>
+              </a:rPr>
+              <a:t>13,514 Total Injured</a:t>
+            </a:r>
+          </a:p>
+        </p:txBody>
+      </p:sp>
+      <p:sp>
+        <p:nvSpPr>
+          <p:cNvPr id="4" name="TextBox 3">
+            <a:extLst>
+              <a:ext uri="{FF2B5EF4-FFF2-40B4-BE49-F238E27FC236}">
+                <a16:creationId xmlns:a16="http://schemas.microsoft.com/office/drawing/2014/main" id="{0E95B898-B49A-4542-932C-B6D71BAC3861}"/>
+              </a:ext>
+            </a:extLst>
+          </p:cNvPr>
+          <p:cNvSpPr txBox="1"/>
+          <p:nvPr/>
+        </p:nvSpPr>
+        <p:spPr>
+          <a:xfrm>
+            <a:off x="824754" y="4885765"/>
+            <a:ext cx="4392706" cy="1077218"/>
+          </a:xfrm>
+          <a:prstGeom prst="rect">
+            <a:avLst/>
+          </a:prstGeom>
+          <a:solidFill>
+            <a:schemeClr val="bg1"/>
+          </a:solidFill>
+        </p:spPr>
+        <p:txBody>
+          <a:bodyPr wrap="square" rtlCol="0">
+            <a:spAutoFit/>
+          </a:bodyPr>
+          <a:lstStyle/>
+          <a:p>
+            <a:r>
+              <a:rPr lang="en-US" sz="3200" b="1" dirty="0">
+                <a:solidFill>
+                  <a:schemeClr val="accent1">
+                    <a:lumMod val="75000"/>
+                  </a:schemeClr>
+                </a:solidFill>
+              </a:rPr>
+              <a:t>District of Columbia:</a:t>
+            </a:r>
+          </a:p>
+          <a:p>
+            <a:r>
+              <a:rPr lang="en-US" sz="3200" b="1" dirty="0">
+                <a:solidFill>
+                  <a:schemeClr val="accent1">
+                    <a:lumMod val="75000"/>
+                  </a:schemeClr>
+                </a:solidFill>
+              </a:rPr>
+              <a:t>21.04 Injured per 10,000</a:t>
+            </a:r>
+          </a:p>
+        </p:txBody>
+      </p:sp>
     </p:spTree>
     <p:extLst>
       <p:ext uri="{BB962C8B-B14F-4D97-AF65-F5344CB8AC3E}">
